--- a/VakulenkoTextRelevance.pptx
+++ b/VakulenkoTextRelevance.pptx
@@ -233,7 +233,7 @@
           <a:p>
             <a:fld id="{3EB4DDC1-07CD-4CFD-8924-86039A5A7AEE}" type="datetimeFigureOut">
               <a:rPr lang="ru-RU" smtClean="0"/>
-              <a:t>27.05.2020</a:t>
+              <a:t>28.05.2020</a:t>
             </a:fld>
             <a:endParaRPr lang="ru-RU"/>
           </a:p>
@@ -799,7 +799,7 @@
           <a:p>
             <a:fld id="{DD812551-3581-45D9-AC2B-BFBEA5700A4B}" type="datetimeFigureOut">
               <a:rPr lang="ru-RU" smtClean="0"/>
-              <a:t>27.05.2020</a:t>
+              <a:t>28.05.2020</a:t>
             </a:fld>
             <a:endParaRPr lang="ru-RU"/>
           </a:p>
@@ -969,7 +969,7 @@
           <a:p>
             <a:fld id="{DD812551-3581-45D9-AC2B-BFBEA5700A4B}" type="datetimeFigureOut">
               <a:rPr lang="ru-RU" smtClean="0"/>
-              <a:t>27.05.2020</a:t>
+              <a:t>28.05.2020</a:t>
             </a:fld>
             <a:endParaRPr lang="ru-RU"/>
           </a:p>
@@ -1149,7 +1149,7 @@
           <a:p>
             <a:fld id="{DD812551-3581-45D9-AC2B-BFBEA5700A4B}" type="datetimeFigureOut">
               <a:rPr lang="ru-RU" smtClean="0"/>
-              <a:t>27.05.2020</a:t>
+              <a:t>28.05.2020</a:t>
             </a:fld>
             <a:endParaRPr lang="ru-RU"/>
           </a:p>
@@ -1319,7 +1319,7 @@
           <a:p>
             <a:fld id="{DD812551-3581-45D9-AC2B-BFBEA5700A4B}" type="datetimeFigureOut">
               <a:rPr lang="ru-RU" smtClean="0"/>
-              <a:t>27.05.2020</a:t>
+              <a:t>28.05.2020</a:t>
             </a:fld>
             <a:endParaRPr lang="ru-RU"/>
           </a:p>
@@ -1563,7 +1563,7 @@
           <a:p>
             <a:fld id="{DD812551-3581-45D9-AC2B-BFBEA5700A4B}" type="datetimeFigureOut">
               <a:rPr lang="ru-RU" smtClean="0"/>
-              <a:t>27.05.2020</a:t>
+              <a:t>28.05.2020</a:t>
             </a:fld>
             <a:endParaRPr lang="ru-RU"/>
           </a:p>
@@ -1795,7 +1795,7 @@
           <a:p>
             <a:fld id="{DD812551-3581-45D9-AC2B-BFBEA5700A4B}" type="datetimeFigureOut">
               <a:rPr lang="ru-RU" smtClean="0"/>
-              <a:t>27.05.2020</a:t>
+              <a:t>28.05.2020</a:t>
             </a:fld>
             <a:endParaRPr lang="ru-RU"/>
           </a:p>
@@ -2162,7 +2162,7 @@
           <a:p>
             <a:fld id="{DD812551-3581-45D9-AC2B-BFBEA5700A4B}" type="datetimeFigureOut">
               <a:rPr lang="ru-RU" smtClean="0"/>
-              <a:t>27.05.2020</a:t>
+              <a:t>28.05.2020</a:t>
             </a:fld>
             <a:endParaRPr lang="ru-RU"/>
           </a:p>
@@ -2280,7 +2280,7 @@
           <a:p>
             <a:fld id="{DD812551-3581-45D9-AC2B-BFBEA5700A4B}" type="datetimeFigureOut">
               <a:rPr lang="ru-RU" smtClean="0"/>
-              <a:t>27.05.2020</a:t>
+              <a:t>28.05.2020</a:t>
             </a:fld>
             <a:endParaRPr lang="ru-RU"/>
           </a:p>
@@ -2375,7 +2375,7 @@
           <a:p>
             <a:fld id="{DD812551-3581-45D9-AC2B-BFBEA5700A4B}" type="datetimeFigureOut">
               <a:rPr lang="ru-RU" smtClean="0"/>
-              <a:t>27.05.2020</a:t>
+              <a:t>28.05.2020</a:t>
             </a:fld>
             <a:endParaRPr lang="ru-RU"/>
           </a:p>
@@ -2652,7 +2652,7 @@
           <a:p>
             <a:fld id="{DD812551-3581-45D9-AC2B-BFBEA5700A4B}" type="datetimeFigureOut">
               <a:rPr lang="ru-RU" smtClean="0"/>
-              <a:t>27.05.2020</a:t>
+              <a:t>28.05.2020</a:t>
             </a:fld>
             <a:endParaRPr lang="ru-RU"/>
           </a:p>
@@ -2909,7 +2909,7 @@
           <a:p>
             <a:fld id="{DD812551-3581-45D9-AC2B-BFBEA5700A4B}" type="datetimeFigureOut">
               <a:rPr lang="ru-RU" smtClean="0"/>
-              <a:t>27.05.2020</a:t>
+              <a:t>28.05.2020</a:t>
             </a:fld>
             <a:endParaRPr lang="ru-RU"/>
           </a:p>
@@ -3122,7 +3122,7 @@
           <a:p>
             <a:fld id="{DD812551-3581-45D9-AC2B-BFBEA5700A4B}" type="datetimeFigureOut">
               <a:rPr lang="ru-RU" smtClean="0"/>
-              <a:t>27.05.2020</a:t>
+              <a:t>28.05.2020</a:t>
             </a:fld>
             <a:endParaRPr lang="ru-RU"/>
           </a:p>
@@ -3735,7 +3735,7 @@
           <a:graphicData uri="http://schemas.openxmlformats.org/presentationml/2006/ole">
             <mc:AlternateContent xmlns:mc="http://schemas.openxmlformats.org/markup-compatibility/2006">
               <mc:Choice xmlns:v="urn:schemas-microsoft-com:vml" Requires="v">
-                <p:oleObj spid="_x0000_s6152" name="Equation" r:id="rId3" imgW="1904760" imgH="419040" progId="Equation.DSMT4">
+                <p:oleObj spid="_x0000_s6153" name="Equation" r:id="rId3" imgW="1904760" imgH="419040" progId="Equation.DSMT4">
                   <p:embed/>
                 </p:oleObj>
               </mc:Choice>
@@ -4913,7 +4913,7 @@
           <a:graphicData uri="http://schemas.openxmlformats.org/presentationml/2006/ole">
             <mc:AlternateContent xmlns:mc="http://schemas.openxmlformats.org/markup-compatibility/2006">
               <mc:Choice xmlns:v="urn:schemas-microsoft-com:vml" Requires="v">
-                <p:oleObj spid="_x0000_s1044" name="Equation" r:id="rId4" imgW="914400" imgH="198720" progId="Equation.DSMT4">
+                <p:oleObj spid="_x0000_s1045" name="Equation" r:id="rId4" imgW="914400" imgH="198720" progId="Equation.DSMT4">
                   <p:embed/>
                 </p:oleObj>
               </mc:Choice>
@@ -5455,7 +5455,7 @@
             </a:r>
             <a:r>
               <a:rPr lang="ru-RU" dirty="0"/>
-              <a:t>относится к заголовку или нет</a:t>
+              <a:t>есть ли слово в заголовке</a:t>
             </a:r>
           </a:p>
           <a:p>
@@ -5466,63 +5466,401 @@
           </a:p>
         </p:txBody>
       </p:sp>
-      <p:graphicFrame>
-        <p:nvGraphicFramePr>
-          <p:cNvPr id="6" name="Объект 5"/>
-          <p:cNvGraphicFramePr>
-            <a:graphicFrameLocks noChangeAspect="1"/>
-          </p:cNvGraphicFramePr>
-          <p:nvPr>
-            <p:extLst>
-              <p:ext uri="{D42A27DB-BD31-4B8C-83A1-F6EECF244321}">
-                <p14:modId xmlns:p14="http://schemas.microsoft.com/office/powerpoint/2010/main" val="1701023709"/>
-              </p:ext>
-            </p:extLst>
-          </p:nvPr>
-        </p:nvGraphicFramePr>
-        <p:xfrm>
-          <a:off x="496226" y="1809957"/>
-          <a:ext cx="8291513" cy="933450"/>
-        </p:xfrm>
-        <a:graphic>
-          <a:graphicData uri="http://schemas.openxmlformats.org/presentationml/2006/ole">
-            <mc:AlternateContent xmlns:mc="http://schemas.openxmlformats.org/markup-compatibility/2006">
-              <mc:Choice xmlns:v="urn:schemas-microsoft-com:vml" Requires="v">
-                <p:oleObj spid="_x0000_s3085" name="Equation" r:id="rId4" imgW="3835080" imgH="431640" progId="Equation.DSMT4">
-                  <p:embed/>
-                </p:oleObj>
-              </mc:Choice>
-              <mc:Fallback>
-                <p:oleObj name="Equation" r:id="rId4" imgW="3835080" imgH="431640" progId="Equation.DSMT4">
-                  <p:embed/>
-                  <p:pic>
-                    <p:nvPicPr>
-                      <p:cNvPr id="0" name=""/>
-                      <p:cNvPicPr/>
-                      <p:nvPr/>
-                    </p:nvPicPr>
-                    <p:blipFill>
-                      <a:blip r:embed="rId5"/>
-                      <a:stretch>
-                        <a:fillRect/>
-                      </a:stretch>
-                    </p:blipFill>
-                    <p:spPr>
-                      <a:xfrm>
-                        <a:off x="496226" y="1809957"/>
-                        <a:ext cx="8291513" cy="933450"/>
-                      </a:xfrm>
-                      <a:prstGeom prst="rect">
-                        <a:avLst/>
-                      </a:prstGeom>
-                    </p:spPr>
-                  </p:pic>
-                </p:oleObj>
-              </mc:Fallback>
-            </mc:AlternateContent>
-          </a:graphicData>
-        </a:graphic>
-      </p:graphicFrame>
+      <mc:AlternateContent xmlns:mc="http://schemas.openxmlformats.org/markup-compatibility/2006">
+        <mc:Choice xmlns:a14="http://schemas.microsoft.com/office/drawing/2010/main" Requires="a14">
+          <p:sp>
+            <p:nvSpPr>
+              <p:cNvPr id="6" name="Объект 5"/>
+              <p:cNvSpPr txBox="1"/>
+              <p:nvPr/>
+            </p:nvSpPr>
+            <p:spPr>
+              <a:xfrm>
+                <a:off x="496888" y="1809750"/>
+                <a:ext cx="8291512" cy="933450"/>
+              </a:xfrm>
+              <a:prstGeom prst="rect">
+                <a:avLst/>
+              </a:prstGeom>
+            </p:spPr>
+            <p:txBody>
+              <a:bodyPr>
+                <a:normAutofit/>
+              </a:bodyPr>
+              <a:lstStyle/>
+              <a:p>
+                <a:pPr/>
+                <a14:m>
+                  <m:oMathPara xmlns:m="http://schemas.openxmlformats.org/officeDocument/2006/math">
+                    <m:oMathParaPr>
+                      <m:jc m:val="left"/>
+                    </m:oMathParaPr>
+                    <m:oMath xmlns:m="http://schemas.openxmlformats.org/officeDocument/2006/math">
+                      <m:sSub>
+                        <m:sSubPr>
+                          <m:ctrlPr>
+                            <a:rPr lang="ru-RU" i="1" smtClean="0">
+                              <a:solidFill>
+                                <a:srgbClr val="000000"/>
+                              </a:solidFill>
+                              <a:latin typeface="Cambria Math" panose="02040503050406030204" pitchFamily="18" charset="0"/>
+                            </a:rPr>
+                          </m:ctrlPr>
+                        </m:sSubPr>
+                        <m:e>
+                          <m:r>
+                            <a:rPr lang="ru-RU" i="1">
+                              <a:solidFill>
+                                <a:srgbClr val="000000"/>
+                              </a:solidFill>
+                              <a:latin typeface="Cambria Math" panose="02040503050406030204" pitchFamily="18" charset="0"/>
+                            </a:rPr>
+                            <m:t>𝑊</m:t>
+                          </m:r>
+                        </m:e>
+                        <m:sub>
+                          <m:r>
+                            <m:rPr>
+                              <m:nor/>
+                            </m:rPr>
+                            <a:rPr lang="ru-RU" i="0">
+                              <a:solidFill>
+                                <a:srgbClr val="000000"/>
+                              </a:solidFill>
+                              <a:latin typeface="Cambria Math" panose="02040503050406030204" pitchFamily="18" charset="0"/>
+                            </a:rPr>
+                            <m:t>single</m:t>
+                          </m:r>
+                        </m:sub>
+                      </m:sSub>
+                      <m:r>
+                        <a:rPr lang="ru-RU" i="1">
+                          <a:solidFill>
+                            <a:srgbClr val="000000"/>
+                          </a:solidFill>
+                          <a:latin typeface="Cambria Math" panose="02040503050406030204" pitchFamily="18" charset="0"/>
+                        </a:rPr>
+                        <m:t>=</m:t>
+                      </m:r>
+                      <m:func>
+                        <m:funcPr>
+                          <m:ctrlPr>
+                            <a:rPr lang="ru-RU" i="1">
+                              <a:solidFill>
+                                <a:srgbClr val="000000"/>
+                              </a:solidFill>
+                              <a:latin typeface="Cambria Math" panose="02040503050406030204" pitchFamily="18" charset="0"/>
+                            </a:rPr>
+                          </m:ctrlPr>
+                        </m:funcPr>
+                        <m:fName>
+                          <m:r>
+                            <m:rPr>
+                              <m:sty m:val="p"/>
+                            </m:rPr>
+                            <a:rPr lang="ru-RU" i="0">
+                              <a:solidFill>
+                                <a:srgbClr val="000000"/>
+                              </a:solidFill>
+                              <a:latin typeface="Cambria Math" panose="02040503050406030204" pitchFamily="18" charset="0"/>
+                            </a:rPr>
+                            <m:t>log</m:t>
+                          </m:r>
+                        </m:fName>
+                        <m:e>
+                          <m:r>
+                            <a:rPr lang="ru-RU" i="1">
+                              <a:solidFill>
+                                <a:srgbClr val="000000"/>
+                              </a:solidFill>
+                              <a:latin typeface="Cambria Math" panose="02040503050406030204" pitchFamily="18" charset="0"/>
+                            </a:rPr>
+                            <m:t>(</m:t>
+                          </m:r>
+                        </m:e>
+                      </m:func>
+                      <m:f>
+                        <m:fPr>
+                          <m:ctrlPr>
+                            <a:rPr lang="ru-RU" i="1">
+                              <a:solidFill>
+                                <a:srgbClr val="000000"/>
+                              </a:solidFill>
+                              <a:latin typeface="Cambria Math" panose="02040503050406030204" pitchFamily="18" charset="0"/>
+                            </a:rPr>
+                          </m:ctrlPr>
+                        </m:fPr>
+                        <m:num>
+                          <m:r>
+                            <a:rPr lang="ru-RU" i="1">
+                              <a:solidFill>
+                                <a:srgbClr val="000000"/>
+                              </a:solidFill>
+                              <a:latin typeface="Cambria Math" panose="02040503050406030204" pitchFamily="18" charset="0"/>
+                            </a:rPr>
+                            <m:t>𝑁</m:t>
+                          </m:r>
+                          <m:r>
+                            <a:rPr lang="ru-RU" i="1">
+                              <a:solidFill>
+                                <a:srgbClr val="000000"/>
+                              </a:solidFill>
+                              <a:latin typeface="Cambria Math" panose="02040503050406030204" pitchFamily="18" charset="0"/>
+                            </a:rPr>
+                            <m:t>−</m:t>
+                          </m:r>
+                          <m:r>
+                            <a:rPr lang="ru-RU" i="1">
+                              <a:solidFill>
+                                <a:srgbClr val="000000"/>
+                              </a:solidFill>
+                              <a:latin typeface="Cambria Math" panose="02040503050406030204" pitchFamily="18" charset="0"/>
+                            </a:rPr>
+                            <m:t>𝑑𝑓</m:t>
+                          </m:r>
+                          <m:r>
+                            <a:rPr lang="ru-RU" i="1">
+                              <a:solidFill>
+                                <a:srgbClr val="000000"/>
+                              </a:solidFill>
+                              <a:latin typeface="Cambria Math" panose="02040503050406030204" pitchFamily="18" charset="0"/>
+                            </a:rPr>
+                            <m:t>+0.5</m:t>
+                          </m:r>
+                        </m:num>
+                        <m:den>
+                          <m:r>
+                            <a:rPr lang="ru-RU" i="1">
+                              <a:solidFill>
+                                <a:srgbClr val="000000"/>
+                              </a:solidFill>
+                              <a:latin typeface="Cambria Math" panose="02040503050406030204" pitchFamily="18" charset="0"/>
+                            </a:rPr>
+                            <m:t>𝑑𝑓</m:t>
+                          </m:r>
+                          <m:r>
+                            <a:rPr lang="ru-RU" i="1">
+                              <a:solidFill>
+                                <a:srgbClr val="000000"/>
+                              </a:solidFill>
+                              <a:latin typeface="Cambria Math" panose="02040503050406030204" pitchFamily="18" charset="0"/>
+                            </a:rPr>
+                            <m:t>+0.5</m:t>
+                          </m:r>
+                        </m:den>
+                      </m:f>
+                      <m:r>
+                        <a:rPr lang="ru-RU" i="1">
+                          <a:solidFill>
+                            <a:srgbClr val="000000"/>
+                          </a:solidFill>
+                          <a:latin typeface="Cambria Math" panose="02040503050406030204" pitchFamily="18" charset="0"/>
+                        </a:rPr>
+                        <m:t>)(</m:t>
+                      </m:r>
+                      <m:f>
+                        <m:fPr>
+                          <m:ctrlPr>
+                            <a:rPr lang="ru-RU" i="1">
+                              <a:solidFill>
+                                <a:srgbClr val="000000"/>
+                              </a:solidFill>
+                              <a:latin typeface="Cambria Math" panose="02040503050406030204" pitchFamily="18" charset="0"/>
+                            </a:rPr>
+                          </m:ctrlPr>
+                        </m:fPr>
+                        <m:num>
+                          <m:r>
+                            <a:rPr lang="ru-RU" i="1">
+                              <a:solidFill>
+                                <a:srgbClr val="000000"/>
+                              </a:solidFill>
+                              <a:latin typeface="Cambria Math" panose="02040503050406030204" pitchFamily="18" charset="0"/>
+                            </a:rPr>
+                            <m:t>𝑡𝑓</m:t>
+                          </m:r>
+                        </m:num>
+                        <m:den>
+                          <m:r>
+                            <a:rPr lang="ru-RU" i="1">
+                              <a:solidFill>
+                                <a:srgbClr val="000000"/>
+                              </a:solidFill>
+                              <a:latin typeface="Cambria Math" panose="02040503050406030204" pitchFamily="18" charset="0"/>
+                            </a:rPr>
+                            <m:t>𝑡𝑓</m:t>
+                          </m:r>
+                          <m:r>
+                            <a:rPr lang="ru-RU" i="1">
+                              <a:solidFill>
+                                <a:srgbClr val="000000"/>
+                              </a:solidFill>
+                              <a:latin typeface="Cambria Math" panose="02040503050406030204" pitchFamily="18" charset="0"/>
+                            </a:rPr>
+                            <m:t>+</m:t>
+                          </m:r>
+                          <m:sSub>
+                            <m:sSubPr>
+                              <m:ctrlPr>
+                                <a:rPr lang="ru-RU" i="1">
+                                  <a:solidFill>
+                                    <a:srgbClr val="000000"/>
+                                  </a:solidFill>
+                                  <a:latin typeface="Cambria Math" panose="02040503050406030204" pitchFamily="18" charset="0"/>
+                                </a:rPr>
+                              </m:ctrlPr>
+                            </m:sSubPr>
+                            <m:e>
+                              <m:r>
+                                <a:rPr lang="ru-RU" i="1">
+                                  <a:solidFill>
+                                    <a:srgbClr val="000000"/>
+                                  </a:solidFill>
+                                  <a:latin typeface="Cambria Math" panose="02040503050406030204" pitchFamily="18" charset="0"/>
+                                </a:rPr>
+                                <m:t>𝑘</m:t>
+                              </m:r>
+                            </m:e>
+                            <m:sub>
+                              <m:r>
+                                <a:rPr lang="ru-RU" i="1">
+                                  <a:solidFill>
+                                    <a:srgbClr val="000000"/>
+                                  </a:solidFill>
+                                  <a:latin typeface="Cambria Math" panose="02040503050406030204" pitchFamily="18" charset="0"/>
+                                </a:rPr>
+                                <m:t>1</m:t>
+                              </m:r>
+                            </m:sub>
+                          </m:sSub>
+                          <m:r>
+                            <a:rPr lang="ru-RU" i="1">
+                              <a:solidFill>
+                                <a:srgbClr val="000000"/>
+                              </a:solidFill>
+                              <a:latin typeface="Cambria Math" panose="02040503050406030204" pitchFamily="18" charset="0"/>
+                            </a:rPr>
+                            <m:t>+</m:t>
+                          </m:r>
+                          <m:sSub>
+                            <m:sSubPr>
+                              <m:ctrlPr>
+                                <a:rPr lang="ru-RU" i="1">
+                                  <a:solidFill>
+                                    <a:srgbClr val="000000"/>
+                                  </a:solidFill>
+                                  <a:latin typeface="Cambria Math" panose="02040503050406030204" pitchFamily="18" charset="0"/>
+                                </a:rPr>
+                              </m:ctrlPr>
+                            </m:sSubPr>
+                            <m:e>
+                              <m:r>
+                                <a:rPr lang="ru-RU" i="1">
+                                  <a:solidFill>
+                                    <a:srgbClr val="000000"/>
+                                  </a:solidFill>
+                                  <a:latin typeface="Cambria Math" panose="02040503050406030204" pitchFamily="18" charset="0"/>
+                                </a:rPr>
+                                <m:t>𝑘</m:t>
+                              </m:r>
+                            </m:e>
+                            <m:sub>
+                              <m:r>
+                                <a:rPr lang="ru-RU" i="1">
+                                  <a:solidFill>
+                                    <a:srgbClr val="000000"/>
+                                  </a:solidFill>
+                                  <a:latin typeface="Cambria Math" panose="02040503050406030204" pitchFamily="18" charset="0"/>
+                                </a:rPr>
+                                <m:t>2</m:t>
+                              </m:r>
+                            </m:sub>
+                          </m:sSub>
+                          <m:r>
+                            <a:rPr lang="ru-RU" i="1">
+                              <a:solidFill>
+                                <a:srgbClr val="000000"/>
+                              </a:solidFill>
+                              <a:latin typeface="Cambria Math" panose="02040503050406030204" pitchFamily="18" charset="0"/>
+                            </a:rPr>
+                            <m:t>𝐷𝑜𝑐𝐿𝑒𝑛𝑔𝑡h</m:t>
+                          </m:r>
+                        </m:den>
+                      </m:f>
+                      <m:r>
+                        <a:rPr lang="ru-RU" i="1">
+                          <a:solidFill>
+                            <a:srgbClr val="000000"/>
+                          </a:solidFill>
+                          <a:latin typeface="Cambria Math" panose="02040503050406030204" pitchFamily="18" charset="0"/>
+                        </a:rPr>
+                        <m:t>+0.3</m:t>
+                      </m:r>
+                      <m:r>
+                        <a:rPr lang="en-US" b="0" i="1" smtClean="0">
+                          <a:solidFill>
+                            <a:srgbClr val="000000"/>
+                          </a:solidFill>
+                          <a:latin typeface="Cambria Math" panose="02040503050406030204" pitchFamily="18" charset="0"/>
+                        </a:rPr>
+                        <m:t>𝐻𝑑𝑟</m:t>
+                      </m:r>
+                      <m:r>
+                        <a:rPr lang="ru-RU" i="1">
+                          <a:solidFill>
+                            <a:srgbClr val="000000"/>
+                          </a:solidFill>
+                          <a:latin typeface="Cambria Math" panose="02040503050406030204" pitchFamily="18" charset="0"/>
+                        </a:rPr>
+                        <m:t>)</m:t>
+                      </m:r>
+                    </m:oMath>
+                  </m:oMathPara>
+                </a14:m>
+                <a:endParaRPr lang="ru-RU" dirty="0"/>
+              </a:p>
+            </p:txBody>
+          </p:sp>
+        </mc:Choice>
+        <mc:Fallback>
+          <p:sp>
+            <p:nvSpPr>
+              <p:cNvPr id="6" name="Объект 5"/>
+              <p:cNvSpPr txBox="1">
+                <a:spLocks noRot="1" noChangeAspect="1" noMove="1" noResize="1" noEditPoints="1" noAdjustHandles="1" noChangeArrowheads="1" noChangeShapeType="1" noTextEdit="1"/>
+              </p:cNvSpPr>
+              <p:nvPr/>
+            </p:nvSpPr>
+            <p:spPr>
+              <a:xfrm>
+                <a:off x="496888" y="1809750"/>
+                <a:ext cx="8291512" cy="933450"/>
+              </a:xfrm>
+              <a:prstGeom prst="rect">
+                <a:avLst/>
+              </a:prstGeom>
+              <a:blipFill>
+                <a:blip r:embed="rId3"/>
+                <a:stretch>
+                  <a:fillRect/>
+                </a:stretch>
+              </a:blipFill>
+            </p:spPr>
+            <p:txBody>
+              <a:bodyPr/>
+              <a:lstStyle/>
+              <a:p>
+                <a:r>
+                  <a:rPr lang="ru-RU">
+                    <a:noFill/>
+                  </a:rPr>
+                  <a:t> </a:t>
+                </a:r>
+              </a:p>
+            </p:txBody>
+          </p:sp>
+        </mc:Fallback>
+      </mc:AlternateContent>
     </p:spTree>
     <p:extLst>
       <p:ext uri="{BB962C8B-B14F-4D97-AF65-F5344CB8AC3E}">
@@ -5597,7 +5935,7 @@
           <a:graphicData uri="http://schemas.openxmlformats.org/presentationml/2006/ole">
             <mc:AlternateContent xmlns:mc="http://schemas.openxmlformats.org/markup-compatibility/2006">
               <mc:Choice xmlns:v="urn:schemas-microsoft-com:vml" Requires="v">
-                <p:oleObj spid="_x0000_s4105" name="Equation" r:id="rId3" imgW="2298600" imgH="393480" progId="Equation.DSMT4">
+                <p:oleObj spid="_x0000_s4106" name="Equation" r:id="rId3" imgW="2298600" imgH="393480" progId="Equation.DSMT4">
                   <p:embed/>
                 </p:oleObj>
               </mc:Choice>
@@ -5939,7 +6277,7 @@
           <a:graphicData uri="http://schemas.openxmlformats.org/presentationml/2006/ole">
             <mc:AlternateContent xmlns:mc="http://schemas.openxmlformats.org/markup-compatibility/2006">
               <mc:Choice xmlns:v="urn:schemas-microsoft-com:vml" Requires="v">
-                <p:oleObj spid="_x0000_s5128" name="Equation" r:id="rId4" imgW="2095200" imgH="253800" progId="Equation.DSMT4">
+                <p:oleObj spid="_x0000_s5129" name="Equation" r:id="rId4" imgW="2095200" imgH="253800" progId="Equation.DSMT4">
                   <p:embed/>
                 </p:oleObj>
               </mc:Choice>
